--- a/Automatisierungstechnik.pptx
+++ b/Automatisierungstechnik.pptx
@@ -112,6 +112,11 @@
       </a:defRPr>
     </a:lvl9pPr>
   </p:defaultTextStyle>
+  <p:extLst>
+    <p:ext uri="{EFAFB233-063F-42B5-8137-9DF3F51BA10A}">
+      <p15:sldGuideLst xmlns:p15="http://schemas.microsoft.com/office/powerpoint/2012/main"/>
+    </p:ext>
+  </p:extLst>
 </p:presentation>
 </file>
 
@@ -262,7 +267,7 @@
           <a:p>
             <a:fld id="{3AF8F2FF-1F67-477C-83B8-17638A2B0705}" type="datetimeFigureOut">
               <a:rPr lang="de-DE" smtClean="0"/>
-              <a:t>30.01.2024</a:t>
+              <a:t>06.02.2024</a:t>
             </a:fld>
             <a:endParaRPr lang="de-DE"/>
           </a:p>
@@ -460,7 +465,7 @@
           <a:p>
             <a:fld id="{3AF8F2FF-1F67-477C-83B8-17638A2B0705}" type="datetimeFigureOut">
               <a:rPr lang="de-DE" smtClean="0"/>
-              <a:t>30.01.2024</a:t>
+              <a:t>06.02.2024</a:t>
             </a:fld>
             <a:endParaRPr lang="de-DE"/>
           </a:p>
@@ -668,7 +673,7 @@
           <a:p>
             <a:fld id="{3AF8F2FF-1F67-477C-83B8-17638A2B0705}" type="datetimeFigureOut">
               <a:rPr lang="de-DE" smtClean="0"/>
-              <a:t>30.01.2024</a:t>
+              <a:t>06.02.2024</a:t>
             </a:fld>
             <a:endParaRPr lang="de-DE"/>
           </a:p>
@@ -866,7 +871,7 @@
           <a:p>
             <a:fld id="{3AF8F2FF-1F67-477C-83B8-17638A2B0705}" type="datetimeFigureOut">
               <a:rPr lang="de-DE" smtClean="0"/>
-              <a:t>30.01.2024</a:t>
+              <a:t>06.02.2024</a:t>
             </a:fld>
             <a:endParaRPr lang="de-DE"/>
           </a:p>
@@ -1141,7 +1146,7 @@
           <a:p>
             <a:fld id="{3AF8F2FF-1F67-477C-83B8-17638A2B0705}" type="datetimeFigureOut">
               <a:rPr lang="de-DE" smtClean="0"/>
-              <a:t>30.01.2024</a:t>
+              <a:t>06.02.2024</a:t>
             </a:fld>
             <a:endParaRPr lang="de-DE"/>
           </a:p>
@@ -1406,7 +1411,7 @@
           <a:p>
             <a:fld id="{3AF8F2FF-1F67-477C-83B8-17638A2B0705}" type="datetimeFigureOut">
               <a:rPr lang="de-DE" smtClean="0"/>
-              <a:t>30.01.2024</a:t>
+              <a:t>06.02.2024</a:t>
             </a:fld>
             <a:endParaRPr lang="de-DE"/>
           </a:p>
@@ -1818,7 +1823,7 @@
           <a:p>
             <a:fld id="{3AF8F2FF-1F67-477C-83B8-17638A2B0705}" type="datetimeFigureOut">
               <a:rPr lang="de-DE" smtClean="0"/>
-              <a:t>30.01.2024</a:t>
+              <a:t>06.02.2024</a:t>
             </a:fld>
             <a:endParaRPr lang="de-DE"/>
           </a:p>
@@ -1959,7 +1964,7 @@
           <a:p>
             <a:fld id="{3AF8F2FF-1F67-477C-83B8-17638A2B0705}" type="datetimeFigureOut">
               <a:rPr lang="de-DE" smtClean="0"/>
-              <a:t>30.01.2024</a:t>
+              <a:t>06.02.2024</a:t>
             </a:fld>
             <a:endParaRPr lang="de-DE"/>
           </a:p>
@@ -2072,7 +2077,7 @@
           <a:p>
             <a:fld id="{3AF8F2FF-1F67-477C-83B8-17638A2B0705}" type="datetimeFigureOut">
               <a:rPr lang="de-DE" smtClean="0"/>
-              <a:t>30.01.2024</a:t>
+              <a:t>06.02.2024</a:t>
             </a:fld>
             <a:endParaRPr lang="de-DE"/>
           </a:p>
@@ -2383,7 +2388,7 @@
           <a:p>
             <a:fld id="{3AF8F2FF-1F67-477C-83B8-17638A2B0705}" type="datetimeFigureOut">
               <a:rPr lang="de-DE" smtClean="0"/>
-              <a:t>30.01.2024</a:t>
+              <a:t>06.02.2024</a:t>
             </a:fld>
             <a:endParaRPr lang="de-DE"/>
           </a:p>
@@ -2671,7 +2676,7 @@
           <a:p>
             <a:fld id="{3AF8F2FF-1F67-477C-83B8-17638A2B0705}" type="datetimeFigureOut">
               <a:rPr lang="de-DE" smtClean="0"/>
-              <a:t>30.01.2024</a:t>
+              <a:t>06.02.2024</a:t>
             </a:fld>
             <a:endParaRPr lang="de-DE"/>
           </a:p>
@@ -2912,7 +2917,7 @@
           <a:p>
             <a:fld id="{3AF8F2FF-1F67-477C-83B8-17638A2B0705}" type="datetimeFigureOut">
               <a:rPr lang="de-DE" smtClean="0"/>
-              <a:t>30.01.2024</a:t>
+              <a:t>06.02.2024</a:t>
             </a:fld>
             <a:endParaRPr lang="de-DE"/>
           </a:p>
@@ -3846,7 +3851,7 @@
         </p:nvSpPr>
         <p:spPr>
           <a:xfrm>
-            <a:off x="838200" y="90426"/>
+            <a:off x="838200" y="1649"/>
             <a:ext cx="10515600" cy="1325563"/>
           </a:xfrm>
         </p:spPr>
@@ -3863,7 +3868,7 @@
       </p:sp>
       <p:pic>
         <p:nvPicPr>
-          <p:cNvPr id="9" name="Inhaltsplatzhalter 8" descr="Ein Bild, das Text, Quittung, Diagramm, Screenshot enthält.&#10;&#10;Automatisch generierte Beschreibung">
+          <p:cNvPr id="9" name="Inhaltsplatzhalter 8">
             <a:extLst>
               <a:ext uri="{FF2B5EF4-FFF2-40B4-BE49-F238E27FC236}">
                 <a16:creationId xmlns:a16="http://schemas.microsoft.com/office/drawing/2014/main" id="{1B52B480-3474-C1C7-6132-03A16142C269}"/>
@@ -3879,6 +3884,38 @@
         </p:nvPicPr>
         <p:blipFill>
           <a:blip r:embed="rId2">
+            <a:extLst>
+              <a:ext uri="{28A0092B-C50C-407E-A947-70E740481C1C}">
+                <a14:useLocalDpi xmlns:a14="http://schemas.microsoft.com/office/drawing/2010/main" val="0"/>
+              </a:ext>
+            </a:extLst>
+          </a:blip>
+          <a:srcRect/>
+          <a:stretch/>
+        </p:blipFill>
+        <p:spPr>
+          <a:xfrm>
+            <a:off x="2191397" y="1171081"/>
+            <a:ext cx="2351079" cy="5351585"/>
+          </a:xfrm>
+        </p:spPr>
+      </p:pic>
+      <p:pic>
+        <p:nvPicPr>
+          <p:cNvPr id="6" name="Grafik 5" descr="Ein Bild, das Text, Diagramm, Entwurf, Plan enthält.&#10;&#10;Automatisch generierte Beschreibung">
+            <a:extLst>
+              <a:ext uri="{FF2B5EF4-FFF2-40B4-BE49-F238E27FC236}">
+                <a16:creationId xmlns:a16="http://schemas.microsoft.com/office/drawing/2014/main" id="{A895780D-26BE-E63C-43B5-18172209D43C}"/>
+              </a:ext>
+            </a:extLst>
+          </p:cNvPr>
+          <p:cNvPicPr>
+            <a:picLocks noChangeAspect="1"/>
+          </p:cNvPicPr>
+          <p:nvPr/>
+        </p:nvPicPr>
+        <p:blipFill>
+          <a:blip r:embed="rId3">
             <a:extLst>
               <a:ext uri="{28A0092B-C50C-407E-A947-70E740481C1C}">
                 <a14:useLocalDpi xmlns:a14="http://schemas.microsoft.com/office/drawing/2010/main" val="0"/>
@@ -3891,41 +3928,88 @@
         </p:blipFill>
         <p:spPr>
           <a:xfrm>
-            <a:off x="1836290" y="1415989"/>
-            <a:ext cx="2351079" cy="5351585"/>
-          </a:xfrm>
-        </p:spPr>
-      </p:pic>
-      <p:pic>
-        <p:nvPicPr>
-          <p:cNvPr id="11" name="Grafik 10">
-            <a:extLst>
-              <a:ext uri="{FF2B5EF4-FFF2-40B4-BE49-F238E27FC236}">
-                <a16:creationId xmlns:a16="http://schemas.microsoft.com/office/drawing/2014/main" id="{A62506DB-A793-8179-BC57-67D9C1A45DF2}"/>
-              </a:ext>
-            </a:extLst>
-          </p:cNvPr>
-          <p:cNvPicPr>
-            <a:picLocks noChangeAspect="1"/>
-          </p:cNvPicPr>
-          <p:nvPr/>
-        </p:nvPicPr>
-        <p:blipFill>
-          <a:blip r:embed="rId3"/>
-          <a:stretch>
-            <a:fillRect/>
-          </a:stretch>
-        </p:blipFill>
-        <p:spPr>
-          <a:xfrm>
-            <a:off x="5351857" y="1415989"/>
-            <a:ext cx="5820587" cy="4858428"/>
+            <a:off x="7116867" y="1003413"/>
+            <a:ext cx="2195802" cy="5686919"/>
           </a:xfrm>
           <a:prstGeom prst="rect">
             <a:avLst/>
           </a:prstGeom>
         </p:spPr>
       </p:pic>
+      <p:cxnSp>
+        <p:nvCxnSpPr>
+          <p:cNvPr id="8" name="Gerader Verbinder 7">
+            <a:extLst>
+              <a:ext uri="{FF2B5EF4-FFF2-40B4-BE49-F238E27FC236}">
+                <a16:creationId xmlns:a16="http://schemas.microsoft.com/office/drawing/2014/main" id="{66C49413-727D-5B7A-F053-D2333CCC8B3B}"/>
+              </a:ext>
+            </a:extLst>
+          </p:cNvPr>
+          <p:cNvCxnSpPr/>
+          <p:nvPr/>
+        </p:nvCxnSpPr>
+        <p:spPr>
+          <a:xfrm flipV="1">
+            <a:off x="3710866" y="1003413"/>
+            <a:ext cx="3406001" cy="2325713"/>
+          </a:xfrm>
+          <a:prstGeom prst="line">
+            <a:avLst/>
+          </a:prstGeom>
+        </p:spPr>
+        <p:style>
+          <a:lnRef idx="1">
+            <a:schemeClr val="dk1"/>
+          </a:lnRef>
+          <a:fillRef idx="0">
+            <a:schemeClr val="dk1"/>
+          </a:fillRef>
+          <a:effectRef idx="0">
+            <a:schemeClr val="dk1"/>
+          </a:effectRef>
+          <a:fontRef idx="minor">
+            <a:schemeClr val="tx1"/>
+          </a:fontRef>
+        </p:style>
+      </p:cxnSp>
+      <p:cxnSp>
+        <p:nvCxnSpPr>
+          <p:cNvPr id="10" name="Gerader Verbinder 9">
+            <a:extLst>
+              <a:ext uri="{FF2B5EF4-FFF2-40B4-BE49-F238E27FC236}">
+                <a16:creationId xmlns:a16="http://schemas.microsoft.com/office/drawing/2014/main" id="{5F7FE0A5-5ACF-45AC-FB6D-D3918644F233}"/>
+              </a:ext>
+            </a:extLst>
+          </p:cNvPr>
+          <p:cNvCxnSpPr>
+            <a:cxnSpLocks/>
+          </p:cNvCxnSpPr>
+          <p:nvPr/>
+        </p:nvCxnSpPr>
+        <p:spPr>
+          <a:xfrm>
+            <a:off x="3710866" y="3846872"/>
+            <a:ext cx="3488924" cy="2766992"/>
+          </a:xfrm>
+          <a:prstGeom prst="line">
+            <a:avLst/>
+          </a:prstGeom>
+        </p:spPr>
+        <p:style>
+          <a:lnRef idx="1">
+            <a:schemeClr val="dk1"/>
+          </a:lnRef>
+          <a:fillRef idx="0">
+            <a:schemeClr val="dk1"/>
+          </a:fillRef>
+          <a:effectRef idx="0">
+            <a:schemeClr val="dk1"/>
+          </a:effectRef>
+          <a:fontRef idx="minor">
+            <a:schemeClr val="tx1"/>
+          </a:fontRef>
+        </p:style>
+      </p:cxnSp>
     </p:spTree>
     <p:extLst>
       <p:ext uri="{BB962C8B-B14F-4D97-AF65-F5344CB8AC3E}">
@@ -4329,7 +4413,7 @@
         </p:spPr>
         <p:txBody>
           <a:bodyPr>
-            <a:normAutofit lnSpcReduction="10000"/>
+            <a:normAutofit fontScale="92500" lnSpcReduction="10000"/>
           </a:bodyPr>
           <a:lstStyle/>
           <a:p>
@@ -4523,8 +4607,20 @@
           <a:p>
             <a:pPr lvl="1"/>
             <a:r>
-              <a:rPr lang="de-DE" dirty="0"/>
-              <a:t>Generate </a:t>
+              <a:rPr lang="de-DE" dirty="0" err="1"/>
+              <a:t>Tweening</a:t>
+            </a:r>
+            <a:endParaRPr lang="de-DE" dirty="0"/>
+          </a:p>
+          <a:p>
+            <a:pPr lvl="1"/>
+            <a:r>
+              <a:rPr lang="de-DE" dirty="0" err="1"/>
+              <a:t>Interpolate</a:t>
+            </a:r>
+            <a:r>
+              <a:rPr lang="de-DE" dirty="0"/>
+              <a:t> </a:t>
             </a:r>
             <a:r>
               <a:rPr lang="de-DE" dirty="0" err="1"/>
